--- a/replication/my_replication/Class presentation/Class presentation_Shekhar Kedia.pptx
+++ b/replication/my_replication/Class presentation/Class presentation_Shekhar Kedia.pptx
@@ -3169,10 +3169,7 @@
               <a:rPr lang="en-US" sz="1600" b="1" dirty="0"/>
               <a:t>successfully replicated</a:t>
             </a:r>
-            <a:r>
-              <a:rPr lang="en-US" sz="1600" dirty="0"/>
-              <a:t>.</a:t>
-            </a:r>
+            <a:endParaRPr lang="en-US" sz="1600" dirty="0"/>
           </a:p>
           <a:p>
             <a:r>
@@ -3193,7 +3190,15 @@
             </a:r>
             <a:r>
               <a:rPr lang="en-US" sz="1600" dirty="0"/>
-              <a:t>opposition towards unauthorised immigrants. </a:t>
+              <a:t>opposition towards </a:t>
+            </a:r>
+            <a:r>
+              <a:rPr lang="en-US" sz="1600" dirty="0" err="1"/>
+              <a:t>unauthorised</a:t>
+            </a:r>
+            <a:r>
+              <a:rPr lang="en-US" sz="1600" dirty="0"/>
+              <a:t> immigrants</a:t>
             </a:r>
           </a:p>
           <a:p>
@@ -3208,7 +3213,7 @@
             </a:r>
             <a:r>
               <a:rPr lang="en-US" sz="1600" dirty="0"/>
-              <a:t>towards unauthorised immigrants and support their deportation.</a:t>
+              <a:t>towards unauthorised immigrants and support their deportation</a:t>
             </a:r>
           </a:p>
           <a:p>
@@ -3222,7 +3227,7 @@
             </a:r>
             <a:r>
               <a:rPr lang="en-US" sz="1600" dirty="0"/>
-              <a:t>to support deportation of unauthorized immigrants.</a:t>
+              <a:t>to support deportation of unauthorized immigrants</a:t>
             </a:r>
           </a:p>
         </p:txBody>
@@ -3443,7 +3448,7 @@
         <p:spPr>
           <a:xfrm>
             <a:off x="828674" y="1745025"/>
-            <a:ext cx="7806366" cy="3888024"/>
+            <a:ext cx="7806366" cy="4095058"/>
           </a:xfrm>
         </p:spPr>
         <p:txBody>
@@ -3503,7 +3508,7 @@
               <a:rPr lang="en-US" sz="1800" b="0" i="0" u="none" strike="noStrike" baseline="0" dirty="0">
                 <a:latin typeface="LMRoman12-Regular-Identity-H"/>
               </a:rPr>
-              <a:t> market competition have little bearing on citizens’ immigration attitudes. </a:t>
+              <a:t> market competition have little bearing on citizens’ immigration attitudes</a:t>
             </a:r>
           </a:p>
           <a:p>
@@ -3515,7 +3520,7 @@
               <a:rPr lang="en-US" sz="1800" b="0" i="0" u="none" strike="noStrike" baseline="0" dirty="0">
                 <a:latin typeface="LMRoman12-Regular-Identity-H"/>
               </a:rPr>
-              <a:t>Personal economic shocks have potential to trigger the threatened, anti-immigration responses.</a:t>
+              <a:t>Personal economic shocks have potential to trigger the threatened, anti-immigration responses</a:t>
             </a:r>
           </a:p>
           <a:p>
@@ -3530,7 +3535,7 @@
               <a:rPr lang="en-US" sz="1800" b="0" i="0" u="none" strike="noStrike" baseline="0" dirty="0">
                 <a:latin typeface="LMRoman12-Regular-Identity-H"/>
               </a:rPr>
-              <a:t> Panel study tracking a large, representative adult Americans from ‘07-20.</a:t>
+              <a:t> Panel study tracking a large, representative adult Americans from 2007-20. However, for analysis data from 2012 is considered (n = 2,149).</a:t>
             </a:r>
           </a:p>
           <a:p>
@@ -4017,6 +4022,82 @@
               <a:t> reporting a college degree.</a:t>
             </a:r>
             <a:endParaRPr lang="en-IN" sz="1600" dirty="0"/>
+          </a:p>
+        </p:txBody>
+      </p:sp>
+      <p:sp>
+        <p:nvSpPr>
+          <p:cNvPr id="5" name="TextBox 4">
+            <a:extLst>
+              <a:ext uri="{FF2B5EF4-FFF2-40B4-BE49-F238E27FC236}">
+                <a16:creationId xmlns:a16="http://schemas.microsoft.com/office/drawing/2014/main" id="{667A5EAC-B0AC-56B7-F813-0FF6E40F8E81}"/>
+              </a:ext>
+            </a:extLst>
+          </p:cNvPr>
+          <p:cNvSpPr txBox="1"/>
+          <p:nvPr/>
+        </p:nvSpPr>
+        <p:spPr>
+          <a:xfrm>
+            <a:off x="3694264" y="5137408"/>
+            <a:ext cx="1117121" cy="307777"/>
+          </a:xfrm>
+          <a:prstGeom prst="rect">
+            <a:avLst/>
+          </a:prstGeom>
+          <a:noFill/>
+        </p:spPr>
+        <p:txBody>
+          <a:bodyPr wrap="square">
+            <a:spAutoFit/>
+          </a:bodyPr>
+          <a:lstStyle/>
+          <a:p>
+            <a:r>
+              <a:rPr lang="en-US" sz="1400" b="1" i="0" u="none" strike="noStrike" baseline="0" dirty="0">
+                <a:latin typeface="LMRoman12-Regular-Identity-H"/>
+              </a:rPr>
+              <a:t>(N = 2,149)</a:t>
+            </a:r>
+            <a:endParaRPr lang="en-IN" sz="1400" b="1" dirty="0"/>
+          </a:p>
+        </p:txBody>
+      </p:sp>
+      <p:sp>
+        <p:nvSpPr>
+          <p:cNvPr id="6" name="TextBox 5">
+            <a:extLst>
+              <a:ext uri="{FF2B5EF4-FFF2-40B4-BE49-F238E27FC236}">
+                <a16:creationId xmlns:a16="http://schemas.microsoft.com/office/drawing/2014/main" id="{513958CE-C268-229D-891C-1CD13527A634}"/>
+              </a:ext>
+            </a:extLst>
+          </p:cNvPr>
+          <p:cNvSpPr txBox="1"/>
+          <p:nvPr/>
+        </p:nvSpPr>
+        <p:spPr>
+          <a:xfrm>
+            <a:off x="5925627" y="5137407"/>
+            <a:ext cx="1117121" cy="307777"/>
+          </a:xfrm>
+          <a:prstGeom prst="rect">
+            <a:avLst/>
+          </a:prstGeom>
+          <a:noFill/>
+        </p:spPr>
+        <p:txBody>
+          <a:bodyPr wrap="square">
+            <a:spAutoFit/>
+          </a:bodyPr>
+          <a:lstStyle/>
+          <a:p>
+            <a:r>
+              <a:rPr lang="en-US" sz="1400" b="1" i="0" u="none" strike="noStrike" baseline="0" dirty="0">
+                <a:latin typeface="LMRoman12-Regular-Identity-H"/>
+              </a:rPr>
+              <a:t>(N = 1,055)</a:t>
+            </a:r>
+            <a:endParaRPr lang="en-IN" sz="1400" b="1" dirty="0"/>
           </a:p>
         </p:txBody>
       </p:sp>
@@ -4365,7 +4446,7 @@
               <a:rPr lang="en-US" sz="1600" i="0" u="none" strike="noStrike" baseline="0" dirty="0">
                 <a:latin typeface="LMRoman12-Regular-Identity-H"/>
               </a:rPr>
-              <a:t>immigration (for all model specification).</a:t>
+              <a:t>immigration (for all model specification)</a:t>
             </a:r>
           </a:p>
           <a:p>
@@ -4629,7 +4710,7 @@
               <a:rPr lang="en-US" sz="1600" i="0" u="none" strike="noStrike" baseline="0" dirty="0">
                 <a:latin typeface="LMRoman12-Regular-Identity-H"/>
               </a:rPr>
-              <a:t> of heterogeneous effects across respondents differentiated by skill level or union membership. </a:t>
+              <a:t> of heterogeneous effects across respondents differentiated by skill level or union membership</a:t>
             </a:r>
           </a:p>
           <a:p>
@@ -4647,7 +4728,7 @@
               <a:rPr lang="en-US" sz="1600" i="0" u="none" strike="noStrike" baseline="0" dirty="0">
                 <a:latin typeface="LMRoman12-Regular-Identity-H"/>
               </a:rPr>
-              <a:t> found in case of counties with higher % of foreign born or unemployment rate.</a:t>
+              <a:t> found in case of counties with higher % of foreign born or unemployment rate</a:t>
             </a:r>
           </a:p>
           <a:p>

--- a/replication/my_replication/Class presentation/Class presentation_Shekhar Kedia.pptx
+++ b/replication/my_replication/Class presentation/Class presentation_Shekhar Kedia.pptx
@@ -4983,7 +4983,7 @@
               <a:rPr lang="en-US" sz="1600" i="0" u="none" strike="noStrike" baseline="0" dirty="0">
                 <a:latin typeface="LMRoman12-Regular-Identity-H"/>
               </a:rPr>
-              <a:t> on average for a one step change of path variable which captures support for deportation on a 7-point scale ranging from 1 (‘Return illegal immigrants to their native countries’) to 7 (‘Create a pathway to U.S. citizenship for illegal immigrants’).</a:t>
+              <a:t> on average for a one step change of path variable which captures support for deportation on a 7-point scale ranging from 1 (‘Return illegal immigrants to their native countries’) to 7 (‘Create a pathway to U.S. citizenship for illegal immigrants’) holding all other covariates constant.</a:t>
             </a:r>
           </a:p>
           <a:p>
@@ -6289,7 +6289,7 @@
         <p:spPr>
           <a:xfrm>
             <a:off x="409754" y="4066752"/>
-            <a:ext cx="8324491" cy="1323439"/>
+            <a:ext cx="8324491" cy="1569660"/>
           </a:xfrm>
           <a:prstGeom prst="rect">
             <a:avLst/>
@@ -6322,7 +6322,7 @@
               <a:rPr lang="en-US" sz="1600" i="0" u="none" strike="noStrike" baseline="0" dirty="0">
                 <a:latin typeface="LMRoman12-Regular-Identity-H"/>
               </a:rPr>
-              <a:t> on average for a one step change of path variable which captures support for deportation on a 7-point scale ranging from 1 (‘Return illegal immigrants to their native countries’) to 7 (‘Create a pathway to U.S. citizenship’).</a:t>
+              <a:t> on average for a one step change of path variable which captures support for deportation on a 7-point scale ranging from 1 (‘Return illegal immigrants to their native countries’) to 7 (‘Create a pathway to U.S. citizenship’) holding all other covariates constant.</a:t>
             </a:r>
           </a:p>
           <a:p>
